--- a/presentations/06_Hata_Matrisi_Yorumlama+.pptx
+++ b/presentations/06_Hata_Matrisi_Yorumlama+.pptx
@@ -141,481 +141,31 @@
 <file path=ppt/changesInfos/changesInfo1.xml><?xml version="1.0" encoding="utf-8"?>
 <pc:chgInfo xmlns:a="http://schemas.openxmlformats.org/drawingml/2006/main" xmlns:r="http://schemas.openxmlformats.org/officeDocument/2006/relationships" xmlns:ac="http://schemas.microsoft.com/office/drawing/2013/main/command" xmlns:pc="http://schemas.microsoft.com/office/powerpoint/2013/main/command">
   <pc:docChgLst>
-    <pc:chgData name="Erkan ŞİRİN" userId="7f10ce1d6aaf8c5d" providerId="LiveId" clId="{924FFA6D-F0DF-4E17-830B-0FBDC1474AA3}"/>
-    <pc:docChg chg="undo custSel addSld modSld">
-      <pc:chgData name="Erkan ŞİRİN" userId="7f10ce1d6aaf8c5d" providerId="LiveId" clId="{924FFA6D-F0DF-4E17-830B-0FBDC1474AA3}" dt="2019-03-30T14:01:55.493" v="991" actId="20577"/>
+    <pc:chgData name="Erkan ŞİRİN" userId="7f10ce1d6aaf8c5d" providerId="LiveId" clId="{55CAC351-81DA-49A1-A8E9-66E740507E1D}"/>
+    <pc:docChg chg="modSld">
+      <pc:chgData name="Erkan ŞİRİN" userId="7f10ce1d6aaf8c5d" providerId="LiveId" clId="{55CAC351-81DA-49A1-A8E9-66E740507E1D}" dt="2019-07-04T09:07:45.297" v="18" actId="14734"/>
       <pc:docMkLst>
         <pc:docMk/>
       </pc:docMkLst>
-      <pc:sldChg chg="delSp modSp">
-        <pc:chgData name="Erkan ŞİRİN" userId="7f10ce1d6aaf8c5d" providerId="LiveId" clId="{924FFA6D-F0DF-4E17-830B-0FBDC1474AA3}" dt="2019-03-29T02:38:02.342" v="51" actId="20577"/>
-        <pc:sldMkLst>
-          <pc:docMk/>
-          <pc:sldMk cId="1416118015" sldId="257"/>
-        </pc:sldMkLst>
-        <pc:spChg chg="mod">
-          <ac:chgData name="Erkan ŞİRİN" userId="7f10ce1d6aaf8c5d" providerId="LiveId" clId="{924FFA6D-F0DF-4E17-830B-0FBDC1474AA3}" dt="2019-03-29T02:38:02.342" v="51" actId="20577"/>
-          <ac:spMkLst>
-            <pc:docMk/>
-            <pc:sldMk cId="1416118015" sldId="257"/>
-            <ac:spMk id="16" creationId="{00000000-0000-0000-0000-000000000000}"/>
-          </ac:spMkLst>
-        </pc:spChg>
-        <pc:grpChg chg="del">
-          <ac:chgData name="Erkan ŞİRİN" userId="7f10ce1d6aaf8c5d" providerId="LiveId" clId="{924FFA6D-F0DF-4E17-830B-0FBDC1474AA3}" dt="2019-03-29T02:34:41.369" v="0" actId="478"/>
-          <ac:grpSpMkLst>
-            <pc:docMk/>
-            <pc:sldMk cId="1416118015" sldId="257"/>
-            <ac:grpSpMk id="15" creationId="{00000000-0000-0000-0000-000000000000}"/>
-          </ac:grpSpMkLst>
-        </pc:grpChg>
-      </pc:sldChg>
-      <pc:sldChg chg="delSp">
-        <pc:chgData name="Erkan ŞİRİN" userId="7f10ce1d6aaf8c5d" providerId="LiveId" clId="{924FFA6D-F0DF-4E17-830B-0FBDC1474AA3}" dt="2019-03-29T02:34:44.765" v="1" actId="478"/>
-        <pc:sldMkLst>
-          <pc:docMk/>
-          <pc:sldMk cId="483440697" sldId="323"/>
-        </pc:sldMkLst>
-        <pc:grpChg chg="del">
-          <ac:chgData name="Erkan ŞİRİN" userId="7f10ce1d6aaf8c5d" providerId="LiveId" clId="{924FFA6D-F0DF-4E17-830B-0FBDC1474AA3}" dt="2019-03-29T02:34:44.765" v="1" actId="478"/>
-          <ac:grpSpMkLst>
-            <pc:docMk/>
-            <pc:sldMk cId="483440697" sldId="323"/>
-            <ac:grpSpMk id="6" creationId="{00000000-0000-0000-0000-000000000000}"/>
-          </ac:grpSpMkLst>
-        </pc:grpChg>
-      </pc:sldChg>
-      <pc:sldChg chg="addSp delSp modSp modAnim">
-        <pc:chgData name="Erkan ŞİRİN" userId="7f10ce1d6aaf8c5d" providerId="LiveId" clId="{924FFA6D-F0DF-4E17-830B-0FBDC1474AA3}" dt="2019-03-29T02:50:10.701" v="273"/>
+      <pc:sldChg chg="modSp">
+        <pc:chgData name="Erkan ŞİRİN" userId="7f10ce1d6aaf8c5d" providerId="LiveId" clId="{55CAC351-81DA-49A1-A8E9-66E740507E1D}" dt="2019-07-04T09:07:45.297" v="18" actId="14734"/>
         <pc:sldMkLst>
           <pc:docMk/>
           <pc:sldMk cId="3039007460" sldId="324"/>
         </pc:sldMkLst>
-        <pc:spChg chg="add mod">
-          <ac:chgData name="Erkan ŞİRİN" userId="7f10ce1d6aaf8c5d" providerId="LiveId" clId="{924FFA6D-F0DF-4E17-830B-0FBDC1474AA3}" dt="2019-03-29T02:48:53.353" v="209" actId="1076"/>
-          <ac:spMkLst>
+        <pc:graphicFrameChg chg="modGraphic">
+          <ac:chgData name="Erkan ŞİRİN" userId="7f10ce1d6aaf8c5d" providerId="LiveId" clId="{55CAC351-81DA-49A1-A8E9-66E740507E1D}" dt="2019-07-04T09:07:45.297" v="18" actId="14734"/>
+          <ac:graphicFrameMkLst>
             <pc:docMk/>
             <pc:sldMk cId="3039007460" sldId="324"/>
-            <ac:spMk id="15" creationId="{E5FCFA34-CA29-450E-87B8-AF1DED520B54}"/>
-          </ac:spMkLst>
-        </pc:spChg>
-        <pc:spChg chg="add mod">
-          <ac:chgData name="Erkan ŞİRİN" userId="7f10ce1d6aaf8c5d" providerId="LiveId" clId="{924FFA6D-F0DF-4E17-830B-0FBDC1474AA3}" dt="2019-03-29T02:49:53.837" v="272" actId="20577"/>
-          <ac:spMkLst>
-            <pc:docMk/>
-            <pc:sldMk cId="3039007460" sldId="324"/>
-            <ac:spMk id="27" creationId="{EAD16AC2-DAFE-475F-81E8-65D7FDA27111}"/>
-          </ac:spMkLst>
-        </pc:spChg>
-        <pc:grpChg chg="del">
-          <ac:chgData name="Erkan ŞİRİN" userId="7f10ce1d6aaf8c5d" providerId="LiveId" clId="{924FFA6D-F0DF-4E17-830B-0FBDC1474AA3}" dt="2019-03-29T02:35:00.512" v="5" actId="478"/>
-          <ac:grpSpMkLst>
-            <pc:docMk/>
-            <pc:sldMk cId="3039007460" sldId="324"/>
-            <ac:grpSpMk id="6" creationId="{00000000-0000-0000-0000-000000000000}"/>
-          </ac:grpSpMkLst>
-        </pc:grpChg>
-      </pc:sldChg>
-      <pc:sldChg chg="delSp">
-        <pc:chgData name="Erkan ŞİRİN" userId="7f10ce1d6aaf8c5d" providerId="LiveId" clId="{924FFA6D-F0DF-4E17-830B-0FBDC1474AA3}" dt="2019-03-29T02:34:47.986" v="2" actId="478"/>
-        <pc:sldMkLst>
-          <pc:docMk/>
-          <pc:sldMk cId="398859152" sldId="325"/>
-        </pc:sldMkLst>
-        <pc:grpChg chg="del">
-          <ac:chgData name="Erkan ŞİRİN" userId="7f10ce1d6aaf8c5d" providerId="LiveId" clId="{924FFA6D-F0DF-4E17-830B-0FBDC1474AA3}" dt="2019-03-29T02:34:47.986" v="2" actId="478"/>
-          <ac:grpSpMkLst>
-            <pc:docMk/>
-            <pc:sldMk cId="398859152" sldId="325"/>
-            <ac:grpSpMk id="6" creationId="{00000000-0000-0000-0000-000000000000}"/>
-          </ac:grpSpMkLst>
-        </pc:grpChg>
-      </pc:sldChg>
-      <pc:sldChg chg="delSp">
-        <pc:chgData name="Erkan ŞİRİN" userId="7f10ce1d6aaf8c5d" providerId="LiveId" clId="{924FFA6D-F0DF-4E17-830B-0FBDC1474AA3}" dt="2019-03-29T02:34:54.543" v="4" actId="478"/>
-        <pc:sldMkLst>
-          <pc:docMk/>
-          <pc:sldMk cId="3806628522" sldId="326"/>
-        </pc:sldMkLst>
-        <pc:grpChg chg="del">
-          <ac:chgData name="Erkan ŞİRİN" userId="7f10ce1d6aaf8c5d" providerId="LiveId" clId="{924FFA6D-F0DF-4E17-830B-0FBDC1474AA3}" dt="2019-03-29T02:34:54.543" v="4" actId="478"/>
-          <ac:grpSpMkLst>
-            <pc:docMk/>
-            <pc:sldMk cId="3806628522" sldId="326"/>
-            <ac:grpSpMk id="6" creationId="{00000000-0000-0000-0000-000000000000}"/>
-          </ac:grpSpMkLst>
-        </pc:grpChg>
-      </pc:sldChg>
-      <pc:sldChg chg="delSp modSp">
-        <pc:chgData name="Erkan ŞİRİN" userId="7f10ce1d6aaf8c5d" providerId="LiveId" clId="{924FFA6D-F0DF-4E17-830B-0FBDC1474AA3}" dt="2019-03-29T02:43:45.013" v="89" actId="20577"/>
-        <pc:sldMkLst>
-          <pc:docMk/>
-          <pc:sldMk cId="3016465595" sldId="328"/>
-        </pc:sldMkLst>
-        <pc:spChg chg="mod">
-          <ac:chgData name="Erkan ŞİRİN" userId="7f10ce1d6aaf8c5d" providerId="LiveId" clId="{924FFA6D-F0DF-4E17-830B-0FBDC1474AA3}" dt="2019-03-29T02:43:45.013" v="89" actId="20577"/>
-          <ac:spMkLst>
-            <pc:docMk/>
-            <pc:sldMk cId="3016465595" sldId="328"/>
-            <ac:spMk id="9" creationId="{00000000-0000-0000-0000-000000000000}"/>
-          </ac:spMkLst>
-        </pc:spChg>
-        <pc:grpChg chg="del">
-          <ac:chgData name="Erkan ŞİRİN" userId="7f10ce1d6aaf8c5d" providerId="LiveId" clId="{924FFA6D-F0DF-4E17-830B-0FBDC1474AA3}" dt="2019-03-29T02:35:04.496" v="6" actId="478"/>
-          <ac:grpSpMkLst>
-            <pc:docMk/>
-            <pc:sldMk cId="3016465595" sldId="328"/>
-            <ac:grpSpMk id="6" creationId="{00000000-0000-0000-0000-000000000000}"/>
-          </ac:grpSpMkLst>
-        </pc:grpChg>
-        <pc:graphicFrameChg chg="mod modGraphic">
-          <ac:chgData name="Erkan ŞİRİN" userId="7f10ce1d6aaf8c5d" providerId="LiveId" clId="{924FFA6D-F0DF-4E17-830B-0FBDC1474AA3}" dt="2019-03-29T02:37:42.987" v="49" actId="20577"/>
-          <ac:graphicFrameMkLst>
-            <pc:docMk/>
-            <pc:sldMk cId="3016465595" sldId="328"/>
-            <ac:graphicFrameMk id="15" creationId="{00000000-0000-0000-0000-000000000000}"/>
-          </ac:graphicFrameMkLst>
-        </pc:graphicFrameChg>
-      </pc:sldChg>
-      <pc:sldChg chg="delSp">
-        <pc:chgData name="Erkan ŞİRİN" userId="7f10ce1d6aaf8c5d" providerId="LiveId" clId="{924FFA6D-F0DF-4E17-830B-0FBDC1474AA3}" dt="2019-03-29T02:34:51.138" v="3" actId="478"/>
-        <pc:sldMkLst>
-          <pc:docMk/>
-          <pc:sldMk cId="4250270779" sldId="329"/>
-        </pc:sldMkLst>
-        <pc:grpChg chg="del">
-          <ac:chgData name="Erkan ŞİRİN" userId="7f10ce1d6aaf8c5d" providerId="LiveId" clId="{924FFA6D-F0DF-4E17-830B-0FBDC1474AA3}" dt="2019-03-29T02:34:51.138" v="3" actId="478"/>
-          <ac:grpSpMkLst>
-            <pc:docMk/>
-            <pc:sldMk cId="4250270779" sldId="329"/>
-            <ac:grpSpMk id="6" creationId="{00000000-0000-0000-0000-000000000000}"/>
-          </ac:grpSpMkLst>
-        </pc:grpChg>
-      </pc:sldChg>
-      <pc:sldChg chg="addSp modSp add modAnim">
-        <pc:chgData name="Erkan ŞİRİN" userId="7f10ce1d6aaf8c5d" providerId="LiveId" clId="{924FFA6D-F0DF-4E17-830B-0FBDC1474AA3}" dt="2019-03-29T02:43:52.626" v="98" actId="20577"/>
-        <pc:sldMkLst>
-          <pc:docMk/>
-          <pc:sldMk cId="3147293555" sldId="330"/>
-        </pc:sldMkLst>
-        <pc:spChg chg="mod">
-          <ac:chgData name="Erkan ŞİRİN" userId="7f10ce1d6aaf8c5d" providerId="LiveId" clId="{924FFA6D-F0DF-4E17-830B-0FBDC1474AA3}" dt="2019-03-29T02:43:52.626" v="98" actId="20577"/>
-          <ac:spMkLst>
-            <pc:docMk/>
-            <pc:sldMk cId="3147293555" sldId="330"/>
-            <ac:spMk id="9" creationId="{00000000-0000-0000-0000-000000000000}"/>
-          </ac:spMkLst>
-        </pc:spChg>
-        <pc:spChg chg="mod">
-          <ac:chgData name="Erkan ŞİRİN" userId="7f10ce1d6aaf8c5d" providerId="LiveId" clId="{924FFA6D-F0DF-4E17-830B-0FBDC1474AA3}" dt="2019-03-29T02:38:57.422" v="72" actId="255"/>
-          <ac:spMkLst>
-            <pc:docMk/>
-            <pc:sldMk cId="3147293555" sldId="330"/>
-            <ac:spMk id="19" creationId="{00000000-0000-0000-0000-000000000000}"/>
-          </ac:spMkLst>
-        </pc:spChg>
-        <pc:cxnChg chg="add mod">
-          <ac:chgData name="Erkan ŞİRİN" userId="7f10ce1d6aaf8c5d" providerId="LiveId" clId="{924FFA6D-F0DF-4E17-830B-0FBDC1474AA3}" dt="2019-03-29T02:40:04.721" v="79" actId="208"/>
-          <ac:cxnSpMkLst>
-            <pc:docMk/>
-            <pc:sldMk cId="3147293555" sldId="330"/>
-            <ac:cxnSpMk id="4" creationId="{1565726F-1061-4B4E-BF64-39C3E303E319}"/>
-          </ac:cxnSpMkLst>
-        </pc:cxnChg>
-      </pc:sldChg>
-      <pc:sldChg chg="addSp delSp modSp add delAnim modAnim">
-        <pc:chgData name="Erkan ŞİRİN" userId="7f10ce1d6aaf8c5d" providerId="LiveId" clId="{924FFA6D-F0DF-4E17-830B-0FBDC1474AA3}" dt="2019-03-29T03:04:41.403" v="737"/>
-        <pc:sldMkLst>
-          <pc:docMk/>
-          <pc:sldMk cId="4270460146" sldId="331"/>
-        </pc:sldMkLst>
-        <pc:spChg chg="del mod">
-          <ac:chgData name="Erkan ŞİRİN" userId="7f10ce1d6aaf8c5d" providerId="LiveId" clId="{924FFA6D-F0DF-4E17-830B-0FBDC1474AA3}" dt="2019-03-29T02:47:26.520" v="153" actId="478"/>
-          <ac:spMkLst>
-            <pc:docMk/>
-            <pc:sldMk cId="4270460146" sldId="331"/>
-            <ac:spMk id="2" creationId="{00000000-0000-0000-0000-000000000000}"/>
-          </ac:spMkLst>
-        </pc:spChg>
-        <pc:spChg chg="mod">
-          <ac:chgData name="Erkan ŞİRİN" userId="7f10ce1d6aaf8c5d" providerId="LiveId" clId="{924FFA6D-F0DF-4E17-830B-0FBDC1474AA3}" dt="2019-03-29T02:44:34.920" v="108" actId="20577"/>
-          <ac:spMkLst>
-            <pc:docMk/>
-            <pc:sldMk cId="4270460146" sldId="331"/>
-            <ac:spMk id="9" creationId="{00000000-0000-0000-0000-000000000000}"/>
-          </ac:spMkLst>
-        </pc:spChg>
-        <pc:spChg chg="del">
-          <ac:chgData name="Erkan ŞİRİN" userId="7f10ce1d6aaf8c5d" providerId="LiveId" clId="{924FFA6D-F0DF-4E17-830B-0FBDC1474AA3}" dt="2019-03-29T02:47:20.538" v="151" actId="478"/>
-          <ac:spMkLst>
-            <pc:docMk/>
-            <pc:sldMk cId="4270460146" sldId="331"/>
-            <ac:spMk id="16" creationId="{00000000-0000-0000-0000-000000000000}"/>
-          </ac:spMkLst>
-        </pc:spChg>
-        <pc:spChg chg="del">
-          <ac:chgData name="Erkan ŞİRİN" userId="7f10ce1d6aaf8c5d" providerId="LiveId" clId="{924FFA6D-F0DF-4E17-830B-0FBDC1474AA3}" dt="2019-03-29T02:47:23.756" v="152" actId="478"/>
-          <ac:spMkLst>
-            <pc:docMk/>
-            <pc:sldMk cId="4270460146" sldId="331"/>
-            <ac:spMk id="17" creationId="{00000000-0000-0000-0000-000000000000}"/>
-          </ac:spMkLst>
-        </pc:spChg>
-        <pc:spChg chg="del">
-          <ac:chgData name="Erkan ŞİRİN" userId="7f10ce1d6aaf8c5d" providerId="LiveId" clId="{924FFA6D-F0DF-4E17-830B-0FBDC1474AA3}" dt="2019-03-29T02:47:30.982" v="154" actId="478"/>
-          <ac:spMkLst>
-            <pc:docMk/>
-            <pc:sldMk cId="4270460146" sldId="331"/>
-            <ac:spMk id="18" creationId="{00000000-0000-0000-0000-000000000000}"/>
-          </ac:spMkLst>
-        </pc:spChg>
-        <pc:spChg chg="mod">
-          <ac:chgData name="Erkan ŞİRİN" userId="7f10ce1d6aaf8c5d" providerId="LiveId" clId="{924FFA6D-F0DF-4E17-830B-0FBDC1474AA3}" dt="2019-03-29T02:50:43.867" v="278" actId="1076"/>
-          <ac:spMkLst>
-            <pc:docMk/>
-            <pc:sldMk cId="4270460146" sldId="331"/>
-            <ac:spMk id="19" creationId="{00000000-0000-0000-0000-000000000000}"/>
-          </ac:spMkLst>
-        </pc:spChg>
-        <pc:spChg chg="mod">
-          <ac:chgData name="Erkan ŞİRİN" userId="7f10ce1d6aaf8c5d" providerId="LiveId" clId="{924FFA6D-F0DF-4E17-830B-0FBDC1474AA3}" dt="2019-03-29T02:50:52.729" v="279" actId="1076"/>
-          <ac:spMkLst>
-            <pc:docMk/>
-            <pc:sldMk cId="4270460146" sldId="331"/>
-            <ac:spMk id="20" creationId="{00000000-0000-0000-0000-000000000000}"/>
-          </ac:spMkLst>
-        </pc:spChg>
-        <pc:spChg chg="add mod">
-          <ac:chgData name="Erkan ŞİRİN" userId="7f10ce1d6aaf8c5d" providerId="LiveId" clId="{924FFA6D-F0DF-4E17-830B-0FBDC1474AA3}" dt="2019-03-29T03:04:41.403" v="737"/>
-          <ac:spMkLst>
-            <pc:docMk/>
-            <pc:sldMk cId="4270460146" sldId="331"/>
-            <ac:spMk id="21" creationId="{52641CAE-F6F5-49E8-BBBD-B4AB71EFC55F}"/>
-          </ac:spMkLst>
-        </pc:spChg>
-        <pc:graphicFrameChg chg="mod modGraphic">
-          <ac:chgData name="Erkan ŞİRİN" userId="7f10ce1d6aaf8c5d" providerId="LiveId" clId="{924FFA6D-F0DF-4E17-830B-0FBDC1474AA3}" dt="2019-03-29T02:55:38.242" v="513" actId="1076"/>
-          <ac:graphicFrameMkLst>
-            <pc:docMk/>
-            <pc:sldMk cId="4270460146" sldId="331"/>
-            <ac:graphicFrameMk id="15" creationId="{00000000-0000-0000-0000-000000000000}"/>
-          </ac:graphicFrameMkLst>
-        </pc:graphicFrameChg>
-        <pc:cxnChg chg="del">
-          <ac:chgData name="Erkan ŞİRİN" userId="7f10ce1d6aaf8c5d" providerId="LiveId" clId="{924FFA6D-F0DF-4E17-830B-0FBDC1474AA3}" dt="2019-03-29T02:44:40.067" v="109" actId="478"/>
-          <ac:cxnSpMkLst>
-            <pc:docMk/>
-            <pc:sldMk cId="4270460146" sldId="331"/>
-            <ac:cxnSpMk id="4" creationId="{1565726F-1061-4B4E-BF64-39C3E303E319}"/>
-          </ac:cxnSpMkLst>
-        </pc:cxnChg>
-        <pc:cxnChg chg="add mod">
-          <ac:chgData name="Erkan ŞİRİN" userId="7f10ce1d6aaf8c5d" providerId="LiveId" clId="{924FFA6D-F0DF-4E17-830B-0FBDC1474AA3}" dt="2019-03-29T02:51:16.775" v="282" actId="1582"/>
-          <ac:cxnSpMkLst>
-            <pc:docMk/>
-            <pc:sldMk cId="4270460146" sldId="331"/>
-            <ac:cxnSpMk id="6" creationId="{A70BECF7-EDA6-4500-9CBF-4967ADF5F62A}"/>
-          </ac:cxnSpMkLst>
-        </pc:cxnChg>
-        <pc:cxnChg chg="add mod">
-          <ac:chgData name="Erkan ŞİRİN" userId="7f10ce1d6aaf8c5d" providerId="LiveId" clId="{924FFA6D-F0DF-4E17-830B-0FBDC1474AA3}" dt="2019-03-29T02:51:29.684" v="285" actId="14100"/>
-          <ac:cxnSpMkLst>
-            <pc:docMk/>
-            <pc:sldMk cId="4270460146" sldId="331"/>
-            <ac:cxnSpMk id="14" creationId="{502CC6CD-4963-4DDD-B7BB-7F339AED83F9}"/>
-          </ac:cxnSpMkLst>
-        </pc:cxnChg>
-      </pc:sldChg>
-      <pc:sldChg chg="modSp add modAnim">
-        <pc:chgData name="Erkan ŞİRİN" userId="7f10ce1d6aaf8c5d" providerId="LiveId" clId="{924FFA6D-F0DF-4E17-830B-0FBDC1474AA3}" dt="2019-03-29T03:57:47.267" v="778" actId="20577"/>
-        <pc:sldMkLst>
-          <pc:docMk/>
-          <pc:sldMk cId="331034659" sldId="332"/>
-        </pc:sldMkLst>
-        <pc:spChg chg="mod">
-          <ac:chgData name="Erkan ŞİRİN" userId="7f10ce1d6aaf8c5d" providerId="LiveId" clId="{924FFA6D-F0DF-4E17-830B-0FBDC1474AA3}" dt="2019-03-29T02:56:07.542" v="520" actId="20577"/>
-          <ac:spMkLst>
-            <pc:docMk/>
-            <pc:sldMk cId="331034659" sldId="332"/>
-            <ac:spMk id="9" creationId="{00000000-0000-0000-0000-000000000000}"/>
-          </ac:spMkLst>
-        </pc:spChg>
-        <pc:spChg chg="mod">
-          <ac:chgData name="Erkan ŞİRİN" userId="7f10ce1d6aaf8c5d" providerId="LiveId" clId="{924FFA6D-F0DF-4E17-830B-0FBDC1474AA3}" dt="2019-03-29T02:56:22.737" v="522" actId="20577"/>
-          <ac:spMkLst>
-            <pc:docMk/>
-            <pc:sldMk cId="331034659" sldId="332"/>
-            <ac:spMk id="19" creationId="{00000000-0000-0000-0000-000000000000}"/>
-          </ac:spMkLst>
-        </pc:spChg>
-        <pc:spChg chg="mod">
-          <ac:chgData name="Erkan ŞİRİN" userId="7f10ce1d6aaf8c5d" providerId="LiveId" clId="{924FFA6D-F0DF-4E17-830B-0FBDC1474AA3}" dt="2019-03-29T03:06:05.060" v="774" actId="20577"/>
-          <ac:spMkLst>
-            <pc:docMk/>
-            <pc:sldMk cId="331034659" sldId="332"/>
-            <ac:spMk id="20" creationId="{00000000-0000-0000-0000-000000000000}"/>
-          </ac:spMkLst>
-        </pc:spChg>
-        <pc:spChg chg="mod">
-          <ac:chgData name="Erkan ŞİRİN" userId="7f10ce1d6aaf8c5d" providerId="LiveId" clId="{924FFA6D-F0DF-4E17-830B-0FBDC1474AA3}" dt="2019-03-29T03:04:38.259" v="736"/>
-          <ac:spMkLst>
-            <pc:docMk/>
-            <pc:sldMk cId="331034659" sldId="332"/>
-            <ac:spMk id="21" creationId="{52641CAE-F6F5-49E8-BBBD-B4AB71EFC55F}"/>
-          </ac:spMkLst>
-        </pc:spChg>
-        <pc:cxnChg chg="mod">
-          <ac:chgData name="Erkan ŞİRİN" userId="7f10ce1d6aaf8c5d" providerId="LiveId" clId="{924FFA6D-F0DF-4E17-830B-0FBDC1474AA3}" dt="2019-03-29T02:57:48.942" v="572" actId="14100"/>
-          <ac:cxnSpMkLst>
-            <pc:docMk/>
-            <pc:sldMk cId="331034659" sldId="332"/>
-            <ac:cxnSpMk id="6" creationId="{A70BECF7-EDA6-4500-9CBF-4967ADF5F62A}"/>
-          </ac:cxnSpMkLst>
-        </pc:cxnChg>
-        <pc:cxnChg chg="mod">
-          <ac:chgData name="Erkan ŞİRİN" userId="7f10ce1d6aaf8c5d" providerId="LiveId" clId="{924FFA6D-F0DF-4E17-830B-0FBDC1474AA3}" dt="2019-03-29T02:58:04.178" v="575" actId="14100"/>
-          <ac:cxnSpMkLst>
-            <pc:docMk/>
-            <pc:sldMk cId="331034659" sldId="332"/>
-            <ac:cxnSpMk id="14" creationId="{502CC6CD-4963-4DDD-B7BB-7F339AED83F9}"/>
-          </ac:cxnSpMkLst>
-        </pc:cxnChg>
-      </pc:sldChg>
-      <pc:sldChg chg="addSp delSp modSp add delAnim modAnim">
-        <pc:chgData name="Erkan ŞİRİN" userId="7f10ce1d6aaf8c5d" providerId="LiveId" clId="{924FFA6D-F0DF-4E17-830B-0FBDC1474AA3}" dt="2019-03-30T14:01:55.493" v="991" actId="20577"/>
-        <pc:sldMkLst>
-          <pc:docMk/>
-          <pc:sldMk cId="2331011101" sldId="333"/>
-        </pc:sldMkLst>
-        <pc:spChg chg="mod">
-          <ac:chgData name="Erkan ŞİRİN" userId="7f10ce1d6aaf8c5d" providerId="LiveId" clId="{924FFA6D-F0DF-4E17-830B-0FBDC1474AA3}" dt="2019-03-29T04:00:59.652" v="874" actId="20577"/>
-          <ac:spMkLst>
-            <pc:docMk/>
-            <pc:sldMk cId="2331011101" sldId="333"/>
-            <ac:spMk id="9" creationId="{00000000-0000-0000-0000-000000000000}"/>
-          </ac:spMkLst>
-        </pc:spChg>
-        <pc:spChg chg="add mod">
-          <ac:chgData name="Erkan ŞİRİN" userId="7f10ce1d6aaf8c5d" providerId="LiveId" clId="{924FFA6D-F0DF-4E17-830B-0FBDC1474AA3}" dt="2019-03-29T04:00:46.258" v="870" actId="20577"/>
-          <ac:spMkLst>
-            <pc:docMk/>
-            <pc:sldMk cId="2331011101" sldId="333"/>
-            <ac:spMk id="10" creationId="{0EB51778-9329-44D2-868D-D4295FFB842C}"/>
-          </ac:spMkLst>
-        </pc:spChg>
-        <pc:spChg chg="add mod">
-          <ac:chgData name="Erkan ŞİRİN" userId="7f10ce1d6aaf8c5d" providerId="LiveId" clId="{924FFA6D-F0DF-4E17-830B-0FBDC1474AA3}" dt="2019-03-29T04:02:17.524" v="961" actId="20577"/>
-          <ac:spMkLst>
-            <pc:docMk/>
-            <pc:sldMk cId="2331011101" sldId="333"/>
-            <ac:spMk id="11" creationId="{54F67CC2-8492-4C49-86CA-263F075A094D}"/>
-          </ac:spMkLst>
-        </pc:spChg>
-        <pc:spChg chg="mod">
-          <ac:chgData name="Erkan ŞİRİN" userId="7f10ce1d6aaf8c5d" providerId="LiveId" clId="{924FFA6D-F0DF-4E17-830B-0FBDC1474AA3}" dt="2019-03-30T14:01:55.493" v="991" actId="20577"/>
-          <ac:spMkLst>
-            <pc:docMk/>
-            <pc:sldMk cId="2331011101" sldId="333"/>
-            <ac:spMk id="19" creationId="{00000000-0000-0000-0000-000000000000}"/>
-          </ac:spMkLst>
-        </pc:spChg>
-        <pc:spChg chg="mod">
-          <ac:chgData name="Erkan ŞİRİN" userId="7f10ce1d6aaf8c5d" providerId="LiveId" clId="{924FFA6D-F0DF-4E17-830B-0FBDC1474AA3}" dt="2019-03-29T03:59:10.284" v="798" actId="20577"/>
-          <ac:spMkLst>
-            <pc:docMk/>
-            <pc:sldMk cId="2331011101" sldId="333"/>
-            <ac:spMk id="20" creationId="{00000000-0000-0000-0000-000000000000}"/>
-          </ac:spMkLst>
-        </pc:spChg>
-        <pc:spChg chg="mod">
-          <ac:chgData name="Erkan ŞİRİN" userId="7f10ce1d6aaf8c5d" providerId="LiveId" clId="{924FFA6D-F0DF-4E17-830B-0FBDC1474AA3}" dt="2019-03-29T03:04:30.445" v="735" actId="20577"/>
-          <ac:spMkLst>
-            <pc:docMk/>
-            <pc:sldMk cId="2331011101" sldId="333"/>
-            <ac:spMk id="21" creationId="{52641CAE-F6F5-49E8-BBBD-B4AB71EFC55F}"/>
-          </ac:spMkLst>
-        </pc:spChg>
-        <pc:cxnChg chg="del">
-          <ac:chgData name="Erkan ŞİRİN" userId="7f10ce1d6aaf8c5d" providerId="LiveId" clId="{924FFA6D-F0DF-4E17-830B-0FBDC1474AA3}" dt="2019-03-29T03:04:54.026" v="739" actId="478"/>
-          <ac:cxnSpMkLst>
-            <pc:docMk/>
-            <pc:sldMk cId="2331011101" sldId="333"/>
-            <ac:cxnSpMk id="6" creationId="{A70BECF7-EDA6-4500-9CBF-4967ADF5F62A}"/>
-          </ac:cxnSpMkLst>
-        </pc:cxnChg>
-        <pc:cxnChg chg="del">
-          <ac:chgData name="Erkan ŞİRİN" userId="7f10ce1d6aaf8c5d" providerId="LiveId" clId="{924FFA6D-F0DF-4E17-830B-0FBDC1474AA3}" dt="2019-03-29T03:04:51.312" v="738" actId="478"/>
-          <ac:cxnSpMkLst>
-            <pc:docMk/>
-            <pc:sldMk cId="2331011101" sldId="333"/>
-            <ac:cxnSpMk id="14" creationId="{502CC6CD-4963-4DDD-B7BB-7F339AED83F9}"/>
-          </ac:cxnSpMkLst>
-        </pc:cxnChg>
-      </pc:sldChg>
-      <pc:sldChg chg="delSp modSp add delAnim">
-        <pc:chgData name="Erkan ŞİRİN" userId="7f10ce1d6aaf8c5d" providerId="LiveId" clId="{924FFA6D-F0DF-4E17-830B-0FBDC1474AA3}" dt="2019-03-29T04:11:19.747" v="989" actId="478"/>
-        <pc:sldMkLst>
-          <pc:docMk/>
-          <pc:sldMk cId="3519768631" sldId="334"/>
-        </pc:sldMkLst>
-        <pc:spChg chg="mod">
-          <ac:chgData name="Erkan ŞİRİN" userId="7f10ce1d6aaf8c5d" providerId="LiveId" clId="{924FFA6D-F0DF-4E17-830B-0FBDC1474AA3}" dt="2019-03-29T04:09:30.901" v="986" actId="20577"/>
-          <ac:spMkLst>
-            <pc:docMk/>
-            <pc:sldMk cId="3519768631" sldId="334"/>
-            <ac:spMk id="9" creationId="{00000000-0000-0000-0000-000000000000}"/>
-          </ac:spMkLst>
-        </pc:spChg>
-        <pc:spChg chg="del">
-          <ac:chgData name="Erkan ŞİRİN" userId="7f10ce1d6aaf8c5d" providerId="LiveId" clId="{924FFA6D-F0DF-4E17-830B-0FBDC1474AA3}" dt="2019-03-29T04:11:19.747" v="989" actId="478"/>
-          <ac:spMkLst>
-            <pc:docMk/>
-            <pc:sldMk cId="3519768631" sldId="334"/>
-            <ac:spMk id="10" creationId="{0EB51778-9329-44D2-868D-D4295FFB842C}"/>
-          </ac:spMkLst>
-        </pc:spChg>
-        <pc:spChg chg="del">
-          <ac:chgData name="Erkan ŞİRİN" userId="7f10ce1d6aaf8c5d" providerId="LiveId" clId="{924FFA6D-F0DF-4E17-830B-0FBDC1474AA3}" dt="2019-03-29T04:11:19.747" v="989" actId="478"/>
-          <ac:spMkLst>
-            <pc:docMk/>
-            <pc:sldMk cId="3519768631" sldId="334"/>
-            <ac:spMk id="11" creationId="{54F67CC2-8492-4C49-86CA-263F075A094D}"/>
-          </ac:spMkLst>
-        </pc:spChg>
-        <pc:spChg chg="del">
-          <ac:chgData name="Erkan ŞİRİN" userId="7f10ce1d6aaf8c5d" providerId="LiveId" clId="{924FFA6D-F0DF-4E17-830B-0FBDC1474AA3}" dt="2019-03-29T04:11:14.649" v="988" actId="478"/>
-          <ac:spMkLst>
-            <pc:docMk/>
-            <pc:sldMk cId="3519768631" sldId="334"/>
-            <ac:spMk id="19" creationId="{00000000-0000-0000-0000-000000000000}"/>
-          </ac:spMkLst>
-        </pc:spChg>
-        <pc:spChg chg="del">
-          <ac:chgData name="Erkan ŞİRİN" userId="7f10ce1d6aaf8c5d" providerId="LiveId" clId="{924FFA6D-F0DF-4E17-830B-0FBDC1474AA3}" dt="2019-03-29T04:11:14.649" v="988" actId="478"/>
-          <ac:spMkLst>
-            <pc:docMk/>
-            <pc:sldMk cId="3519768631" sldId="334"/>
-            <ac:spMk id="20" creationId="{00000000-0000-0000-0000-000000000000}"/>
-          </ac:spMkLst>
-        </pc:spChg>
-        <pc:spChg chg="del">
-          <ac:chgData name="Erkan ŞİRİN" userId="7f10ce1d6aaf8c5d" providerId="LiveId" clId="{924FFA6D-F0DF-4E17-830B-0FBDC1474AA3}" dt="2019-03-29T04:11:19.747" v="989" actId="478"/>
-          <ac:spMkLst>
-            <pc:docMk/>
-            <pc:sldMk cId="3519768631" sldId="334"/>
-            <ac:spMk id="21" creationId="{52641CAE-F6F5-49E8-BBBD-B4AB71EFC55F}"/>
-          </ac:spMkLst>
-        </pc:spChg>
-        <pc:graphicFrameChg chg="del">
-          <ac:chgData name="Erkan ŞİRİN" userId="7f10ce1d6aaf8c5d" providerId="LiveId" clId="{924FFA6D-F0DF-4E17-830B-0FBDC1474AA3}" dt="2019-03-29T04:11:09.675" v="987" actId="478"/>
-          <ac:graphicFrameMkLst>
-            <pc:docMk/>
-            <pc:sldMk cId="3519768631" sldId="334"/>
-            <ac:graphicFrameMk id="15" creationId="{00000000-0000-0000-0000-000000000000}"/>
+            <ac:graphicFrameMk id="2" creationId="{00000000-0000-0000-0000-000000000000}"/>
           </ac:graphicFrameMkLst>
         </pc:graphicFrameChg>
       </pc:sldChg>
     </pc:docChg>
+  </pc:docChgLst>
+  <pc:docChgLst>
+    <pc:chgData name="Erkan ŞİRİN" userId="7f10ce1d6aaf8c5d" providerId="LiveId" clId="{924FFA6D-F0DF-4E17-830B-0FBDC1474AA3}"/>
   </pc:docChgLst>
 </pc:chgInfo>
 </file>
@@ -702,7 +252,7 @@
           <a:p>
             <a:fld id="{6F77F576-AE14-466D-AA6B-335273622B21}" type="datetimeFigureOut">
               <a:rPr lang="en-US" smtClean="0"/>
-              <a:t>5/31/2019</a:t>
+              <a:t>7/4/2019</a:t>
             </a:fld>
             <a:endParaRPr lang="en-US"/>
           </a:p>
@@ -1101,7 +651,7 @@
           <a:p>
             <a:fld id="{54AA066D-271F-4C1A-B89A-0705A7689EE9}" type="datetimeFigureOut">
               <a:rPr lang="en-US" smtClean="0"/>
-              <a:t>5/31/2019</a:t>
+              <a:t>7/4/2019</a:t>
             </a:fld>
             <a:endParaRPr lang="en-US"/>
           </a:p>
@@ -1271,7 +821,7 @@
           <a:p>
             <a:fld id="{54AA066D-271F-4C1A-B89A-0705A7689EE9}" type="datetimeFigureOut">
               <a:rPr lang="en-US" smtClean="0"/>
-              <a:t>5/31/2019</a:t>
+              <a:t>7/4/2019</a:t>
             </a:fld>
             <a:endParaRPr lang="en-US"/>
           </a:p>
@@ -1451,7 +1001,7 @@
           <a:p>
             <a:fld id="{54AA066D-271F-4C1A-B89A-0705A7689EE9}" type="datetimeFigureOut">
               <a:rPr lang="en-US" smtClean="0"/>
-              <a:t>5/31/2019</a:t>
+              <a:t>7/4/2019</a:t>
             </a:fld>
             <a:endParaRPr lang="en-US"/>
           </a:p>
@@ -1621,7 +1171,7 @@
           <a:p>
             <a:fld id="{54AA066D-271F-4C1A-B89A-0705A7689EE9}" type="datetimeFigureOut">
               <a:rPr lang="en-US" smtClean="0"/>
-              <a:t>5/31/2019</a:t>
+              <a:t>7/4/2019</a:t>
             </a:fld>
             <a:endParaRPr lang="en-US"/>
           </a:p>
@@ -1867,7 +1417,7 @@
           <a:p>
             <a:fld id="{54AA066D-271F-4C1A-B89A-0705A7689EE9}" type="datetimeFigureOut">
               <a:rPr lang="en-US" smtClean="0"/>
-              <a:t>5/31/2019</a:t>
+              <a:t>7/4/2019</a:t>
             </a:fld>
             <a:endParaRPr lang="en-US"/>
           </a:p>
@@ -2099,7 +1649,7 @@
           <a:p>
             <a:fld id="{54AA066D-271F-4C1A-B89A-0705A7689EE9}" type="datetimeFigureOut">
               <a:rPr lang="en-US" smtClean="0"/>
-              <a:t>5/31/2019</a:t>
+              <a:t>7/4/2019</a:t>
             </a:fld>
             <a:endParaRPr lang="en-US"/>
           </a:p>
@@ -2466,7 +2016,7 @@
           <a:p>
             <a:fld id="{54AA066D-271F-4C1A-B89A-0705A7689EE9}" type="datetimeFigureOut">
               <a:rPr lang="en-US" smtClean="0"/>
-              <a:t>5/31/2019</a:t>
+              <a:t>7/4/2019</a:t>
             </a:fld>
             <a:endParaRPr lang="en-US"/>
           </a:p>
@@ -2584,7 +2134,7 @@
           <a:p>
             <a:fld id="{54AA066D-271F-4C1A-B89A-0705A7689EE9}" type="datetimeFigureOut">
               <a:rPr lang="en-US" smtClean="0"/>
-              <a:t>5/31/2019</a:t>
+              <a:t>7/4/2019</a:t>
             </a:fld>
             <a:endParaRPr lang="en-US"/>
           </a:p>
@@ -2679,7 +2229,7 @@
           <a:p>
             <a:fld id="{54AA066D-271F-4C1A-B89A-0705A7689EE9}" type="datetimeFigureOut">
               <a:rPr lang="en-US" smtClean="0"/>
-              <a:t>5/31/2019</a:t>
+              <a:t>7/4/2019</a:t>
             </a:fld>
             <a:endParaRPr lang="en-US"/>
           </a:p>
@@ -2956,7 +2506,7 @@
           <a:p>
             <a:fld id="{54AA066D-271F-4C1A-B89A-0705A7689EE9}" type="datetimeFigureOut">
               <a:rPr lang="en-US" smtClean="0"/>
-              <a:t>5/31/2019</a:t>
+              <a:t>7/4/2019</a:t>
             </a:fld>
             <a:endParaRPr lang="en-US"/>
           </a:p>
@@ -3209,7 +2759,7 @@
           <a:p>
             <a:fld id="{54AA066D-271F-4C1A-B89A-0705A7689EE9}" type="datetimeFigureOut">
               <a:rPr lang="en-US" smtClean="0"/>
-              <a:t>5/31/2019</a:t>
+              <a:t>7/4/2019</a:t>
             </a:fld>
             <a:endParaRPr lang="en-US"/>
           </a:p>
@@ -3422,7 +2972,7 @@
           <a:p>
             <a:fld id="{54AA066D-271F-4C1A-B89A-0705A7689EE9}" type="datetimeFigureOut">
               <a:rPr lang="en-US" smtClean="0"/>
-              <a:t>5/31/2019</a:t>
+              <a:t>7/4/2019</a:t>
             </a:fld>
             <a:endParaRPr lang="en-US"/>
           </a:p>
@@ -18291,7 +17841,7 @@
           <p:nvPr>
             <p:extLst>
               <p:ext uri="{D42A27DB-BD31-4B8C-83A1-F6EECF244321}">
-                <p14:modId xmlns:p14="http://schemas.microsoft.com/office/powerpoint/2010/main" val="2795448811"/>
+                <p14:modId xmlns:p14="http://schemas.microsoft.com/office/powerpoint/2010/main" val="2467527556"/>
               </p:ext>
             </p:extLst>
           </p:nvPr>
@@ -18307,14 +17857,14 @@
                 <a:tableStyleId>{5C22544A-7EE6-4342-B048-85BDC9FD1C3A}</a:tableStyleId>
               </a:tblPr>
               <a:tblGrid>
-                <a:gridCol w="2870200">
+                <a:gridCol w="2651731">
                   <a:extLst>
                     <a:ext uri="{9D8B030D-6E8A-4147-A177-3AD203B41FA5}">
                       <a16:colId xmlns:a16="http://schemas.microsoft.com/office/drawing/2014/main" val="20000"/>
                     </a:ext>
                   </a:extLst>
                 </a:gridCol>
-                <a:gridCol w="2428053">
+                <a:gridCol w="2646522">
                   <a:extLst>
                     <a:ext uri="{9D8B030D-6E8A-4147-A177-3AD203B41FA5}">
                       <a16:colId xmlns:a16="http://schemas.microsoft.com/office/drawing/2014/main" val="20001"/>
@@ -18343,7 +17893,25 @@
                           </a:solidFill>
                           <a:latin typeface="Roboto"/>
                         </a:rPr>
-                        <a:t>Sonuç</a:t>
+                        <a:t>Sonuç (</a:t>
+                      </a:r>
+                      <a:r>
+                        <a:rPr lang="tr-TR" sz="2400" dirty="0" err="1">
+                          <a:solidFill>
+                            <a:schemeClr val="tx1"/>
+                          </a:solidFill>
+                          <a:latin typeface="Roboto"/>
+                        </a:rPr>
+                        <a:t>y_test</a:t>
+                      </a:r>
+                      <a:r>
+                        <a:rPr lang="tr-TR" sz="2400" dirty="0">
+                          <a:solidFill>
+                            <a:schemeClr val="tx1"/>
+                          </a:solidFill>
+                          <a:latin typeface="Roboto"/>
+                        </a:rPr>
+                        <a:t>)</a:t>
                       </a:r>
                       <a:endParaRPr lang="en-US" sz="2400" dirty="0">
                         <a:solidFill>
@@ -18368,7 +17936,25 @@
                           </a:solidFill>
                           <a:latin typeface="Roboto"/>
                         </a:rPr>
-                        <a:t>Tahmin</a:t>
+                        <a:t>Tahmin (</a:t>
+                      </a:r>
+                      <a:r>
+                        <a:rPr lang="tr-TR" sz="2400" dirty="0" err="1">
+                          <a:solidFill>
+                            <a:schemeClr val="tx1"/>
+                          </a:solidFill>
+                          <a:latin typeface="Roboto"/>
+                        </a:rPr>
+                        <a:t>y_pred</a:t>
+                      </a:r>
+                      <a:r>
+                        <a:rPr lang="tr-TR" sz="2400" dirty="0">
+                          <a:solidFill>
+                            <a:schemeClr val="tx1"/>
+                          </a:solidFill>
+                          <a:latin typeface="Roboto"/>
+                        </a:rPr>
+                        <a:t>)</a:t>
                       </a:r>
                       <a:endParaRPr lang="en-US" sz="2400" dirty="0">
                         <a:solidFill>

--- a/presentations/06_Hata_Matrisi_Yorumlama+.pptx
+++ b/presentations/06_Hata_Matrisi_Yorumlama+.pptx
@@ -141,31 +141,481 @@
 <file path=ppt/changesInfos/changesInfo1.xml><?xml version="1.0" encoding="utf-8"?>
 <pc:chgInfo xmlns:a="http://schemas.openxmlformats.org/drawingml/2006/main" xmlns:r="http://schemas.openxmlformats.org/officeDocument/2006/relationships" xmlns:ac="http://schemas.microsoft.com/office/drawing/2013/main/command" xmlns:pc="http://schemas.microsoft.com/office/powerpoint/2013/main/command">
   <pc:docChgLst>
-    <pc:chgData name="Erkan ŞİRİN" userId="7f10ce1d6aaf8c5d" providerId="LiveId" clId="{55CAC351-81DA-49A1-A8E9-66E740507E1D}"/>
-    <pc:docChg chg="modSld">
-      <pc:chgData name="Erkan ŞİRİN" userId="7f10ce1d6aaf8c5d" providerId="LiveId" clId="{55CAC351-81DA-49A1-A8E9-66E740507E1D}" dt="2019-07-04T09:07:45.297" v="18" actId="14734"/>
+    <pc:chgData name="Erkan ŞİRİN" userId="7f10ce1d6aaf8c5d" providerId="LiveId" clId="{924FFA6D-F0DF-4E17-830B-0FBDC1474AA3}"/>
+    <pc:docChg chg="undo custSel addSld modSld">
+      <pc:chgData name="Erkan ŞİRİN" userId="7f10ce1d6aaf8c5d" providerId="LiveId" clId="{924FFA6D-F0DF-4E17-830B-0FBDC1474AA3}" dt="2019-03-30T14:01:55.493" v="991" actId="20577"/>
       <pc:docMkLst>
         <pc:docMk/>
       </pc:docMkLst>
-      <pc:sldChg chg="modSp">
-        <pc:chgData name="Erkan ŞİRİN" userId="7f10ce1d6aaf8c5d" providerId="LiveId" clId="{55CAC351-81DA-49A1-A8E9-66E740507E1D}" dt="2019-07-04T09:07:45.297" v="18" actId="14734"/>
+      <pc:sldChg chg="delSp modSp">
+        <pc:chgData name="Erkan ŞİRİN" userId="7f10ce1d6aaf8c5d" providerId="LiveId" clId="{924FFA6D-F0DF-4E17-830B-0FBDC1474AA3}" dt="2019-03-29T02:38:02.342" v="51" actId="20577"/>
+        <pc:sldMkLst>
+          <pc:docMk/>
+          <pc:sldMk cId="1416118015" sldId="257"/>
+        </pc:sldMkLst>
+        <pc:spChg chg="mod">
+          <ac:chgData name="Erkan ŞİRİN" userId="7f10ce1d6aaf8c5d" providerId="LiveId" clId="{924FFA6D-F0DF-4E17-830B-0FBDC1474AA3}" dt="2019-03-29T02:38:02.342" v="51" actId="20577"/>
+          <ac:spMkLst>
+            <pc:docMk/>
+            <pc:sldMk cId="1416118015" sldId="257"/>
+            <ac:spMk id="16" creationId="{00000000-0000-0000-0000-000000000000}"/>
+          </ac:spMkLst>
+        </pc:spChg>
+        <pc:grpChg chg="del">
+          <ac:chgData name="Erkan ŞİRİN" userId="7f10ce1d6aaf8c5d" providerId="LiveId" clId="{924FFA6D-F0DF-4E17-830B-0FBDC1474AA3}" dt="2019-03-29T02:34:41.369" v="0" actId="478"/>
+          <ac:grpSpMkLst>
+            <pc:docMk/>
+            <pc:sldMk cId="1416118015" sldId="257"/>
+            <ac:grpSpMk id="15" creationId="{00000000-0000-0000-0000-000000000000}"/>
+          </ac:grpSpMkLst>
+        </pc:grpChg>
+      </pc:sldChg>
+      <pc:sldChg chg="delSp">
+        <pc:chgData name="Erkan ŞİRİN" userId="7f10ce1d6aaf8c5d" providerId="LiveId" clId="{924FFA6D-F0DF-4E17-830B-0FBDC1474AA3}" dt="2019-03-29T02:34:44.765" v="1" actId="478"/>
+        <pc:sldMkLst>
+          <pc:docMk/>
+          <pc:sldMk cId="483440697" sldId="323"/>
+        </pc:sldMkLst>
+        <pc:grpChg chg="del">
+          <ac:chgData name="Erkan ŞİRİN" userId="7f10ce1d6aaf8c5d" providerId="LiveId" clId="{924FFA6D-F0DF-4E17-830B-0FBDC1474AA3}" dt="2019-03-29T02:34:44.765" v="1" actId="478"/>
+          <ac:grpSpMkLst>
+            <pc:docMk/>
+            <pc:sldMk cId="483440697" sldId="323"/>
+            <ac:grpSpMk id="6" creationId="{00000000-0000-0000-0000-000000000000}"/>
+          </ac:grpSpMkLst>
+        </pc:grpChg>
+      </pc:sldChg>
+      <pc:sldChg chg="addSp delSp modSp modAnim">
+        <pc:chgData name="Erkan ŞİRİN" userId="7f10ce1d6aaf8c5d" providerId="LiveId" clId="{924FFA6D-F0DF-4E17-830B-0FBDC1474AA3}" dt="2019-03-29T02:50:10.701" v="273"/>
         <pc:sldMkLst>
           <pc:docMk/>
           <pc:sldMk cId="3039007460" sldId="324"/>
         </pc:sldMkLst>
-        <pc:graphicFrameChg chg="modGraphic">
-          <ac:chgData name="Erkan ŞİRİN" userId="7f10ce1d6aaf8c5d" providerId="LiveId" clId="{55CAC351-81DA-49A1-A8E9-66E740507E1D}" dt="2019-07-04T09:07:45.297" v="18" actId="14734"/>
+        <pc:spChg chg="add mod">
+          <ac:chgData name="Erkan ŞİRİN" userId="7f10ce1d6aaf8c5d" providerId="LiveId" clId="{924FFA6D-F0DF-4E17-830B-0FBDC1474AA3}" dt="2019-03-29T02:48:53.353" v="209" actId="1076"/>
+          <ac:spMkLst>
+            <pc:docMk/>
+            <pc:sldMk cId="3039007460" sldId="324"/>
+            <ac:spMk id="15" creationId="{E5FCFA34-CA29-450E-87B8-AF1DED520B54}"/>
+          </ac:spMkLst>
+        </pc:spChg>
+        <pc:spChg chg="add mod">
+          <ac:chgData name="Erkan ŞİRİN" userId="7f10ce1d6aaf8c5d" providerId="LiveId" clId="{924FFA6D-F0DF-4E17-830B-0FBDC1474AA3}" dt="2019-03-29T02:49:53.837" v="272" actId="20577"/>
+          <ac:spMkLst>
+            <pc:docMk/>
+            <pc:sldMk cId="3039007460" sldId="324"/>
+            <ac:spMk id="27" creationId="{EAD16AC2-DAFE-475F-81E8-65D7FDA27111}"/>
+          </ac:spMkLst>
+        </pc:spChg>
+        <pc:grpChg chg="del">
+          <ac:chgData name="Erkan ŞİRİN" userId="7f10ce1d6aaf8c5d" providerId="LiveId" clId="{924FFA6D-F0DF-4E17-830B-0FBDC1474AA3}" dt="2019-03-29T02:35:00.512" v="5" actId="478"/>
+          <ac:grpSpMkLst>
+            <pc:docMk/>
+            <pc:sldMk cId="3039007460" sldId="324"/>
+            <ac:grpSpMk id="6" creationId="{00000000-0000-0000-0000-000000000000}"/>
+          </ac:grpSpMkLst>
+        </pc:grpChg>
+      </pc:sldChg>
+      <pc:sldChg chg="delSp">
+        <pc:chgData name="Erkan ŞİRİN" userId="7f10ce1d6aaf8c5d" providerId="LiveId" clId="{924FFA6D-F0DF-4E17-830B-0FBDC1474AA3}" dt="2019-03-29T02:34:47.986" v="2" actId="478"/>
+        <pc:sldMkLst>
+          <pc:docMk/>
+          <pc:sldMk cId="398859152" sldId="325"/>
+        </pc:sldMkLst>
+        <pc:grpChg chg="del">
+          <ac:chgData name="Erkan ŞİRİN" userId="7f10ce1d6aaf8c5d" providerId="LiveId" clId="{924FFA6D-F0DF-4E17-830B-0FBDC1474AA3}" dt="2019-03-29T02:34:47.986" v="2" actId="478"/>
+          <ac:grpSpMkLst>
+            <pc:docMk/>
+            <pc:sldMk cId="398859152" sldId="325"/>
+            <ac:grpSpMk id="6" creationId="{00000000-0000-0000-0000-000000000000}"/>
+          </ac:grpSpMkLst>
+        </pc:grpChg>
+      </pc:sldChg>
+      <pc:sldChg chg="delSp">
+        <pc:chgData name="Erkan ŞİRİN" userId="7f10ce1d6aaf8c5d" providerId="LiveId" clId="{924FFA6D-F0DF-4E17-830B-0FBDC1474AA3}" dt="2019-03-29T02:34:54.543" v="4" actId="478"/>
+        <pc:sldMkLst>
+          <pc:docMk/>
+          <pc:sldMk cId="3806628522" sldId="326"/>
+        </pc:sldMkLst>
+        <pc:grpChg chg="del">
+          <ac:chgData name="Erkan ŞİRİN" userId="7f10ce1d6aaf8c5d" providerId="LiveId" clId="{924FFA6D-F0DF-4E17-830B-0FBDC1474AA3}" dt="2019-03-29T02:34:54.543" v="4" actId="478"/>
+          <ac:grpSpMkLst>
+            <pc:docMk/>
+            <pc:sldMk cId="3806628522" sldId="326"/>
+            <ac:grpSpMk id="6" creationId="{00000000-0000-0000-0000-000000000000}"/>
+          </ac:grpSpMkLst>
+        </pc:grpChg>
+      </pc:sldChg>
+      <pc:sldChg chg="delSp modSp">
+        <pc:chgData name="Erkan ŞİRİN" userId="7f10ce1d6aaf8c5d" providerId="LiveId" clId="{924FFA6D-F0DF-4E17-830B-0FBDC1474AA3}" dt="2019-03-29T02:43:45.013" v="89" actId="20577"/>
+        <pc:sldMkLst>
+          <pc:docMk/>
+          <pc:sldMk cId="3016465595" sldId="328"/>
+        </pc:sldMkLst>
+        <pc:spChg chg="mod">
+          <ac:chgData name="Erkan ŞİRİN" userId="7f10ce1d6aaf8c5d" providerId="LiveId" clId="{924FFA6D-F0DF-4E17-830B-0FBDC1474AA3}" dt="2019-03-29T02:43:45.013" v="89" actId="20577"/>
+          <ac:spMkLst>
+            <pc:docMk/>
+            <pc:sldMk cId="3016465595" sldId="328"/>
+            <ac:spMk id="9" creationId="{00000000-0000-0000-0000-000000000000}"/>
+          </ac:spMkLst>
+        </pc:spChg>
+        <pc:grpChg chg="del">
+          <ac:chgData name="Erkan ŞİRİN" userId="7f10ce1d6aaf8c5d" providerId="LiveId" clId="{924FFA6D-F0DF-4E17-830B-0FBDC1474AA3}" dt="2019-03-29T02:35:04.496" v="6" actId="478"/>
+          <ac:grpSpMkLst>
+            <pc:docMk/>
+            <pc:sldMk cId="3016465595" sldId="328"/>
+            <ac:grpSpMk id="6" creationId="{00000000-0000-0000-0000-000000000000}"/>
+          </ac:grpSpMkLst>
+        </pc:grpChg>
+        <pc:graphicFrameChg chg="mod modGraphic">
+          <ac:chgData name="Erkan ŞİRİN" userId="7f10ce1d6aaf8c5d" providerId="LiveId" clId="{924FFA6D-F0DF-4E17-830B-0FBDC1474AA3}" dt="2019-03-29T02:37:42.987" v="49" actId="20577"/>
           <ac:graphicFrameMkLst>
             <pc:docMk/>
-            <pc:sldMk cId="3039007460" sldId="324"/>
-            <ac:graphicFrameMk id="2" creationId="{00000000-0000-0000-0000-000000000000}"/>
+            <pc:sldMk cId="3016465595" sldId="328"/>
+            <ac:graphicFrameMk id="15" creationId="{00000000-0000-0000-0000-000000000000}"/>
+          </ac:graphicFrameMkLst>
+        </pc:graphicFrameChg>
+      </pc:sldChg>
+      <pc:sldChg chg="delSp">
+        <pc:chgData name="Erkan ŞİRİN" userId="7f10ce1d6aaf8c5d" providerId="LiveId" clId="{924FFA6D-F0DF-4E17-830B-0FBDC1474AA3}" dt="2019-03-29T02:34:51.138" v="3" actId="478"/>
+        <pc:sldMkLst>
+          <pc:docMk/>
+          <pc:sldMk cId="4250270779" sldId="329"/>
+        </pc:sldMkLst>
+        <pc:grpChg chg="del">
+          <ac:chgData name="Erkan ŞİRİN" userId="7f10ce1d6aaf8c5d" providerId="LiveId" clId="{924FFA6D-F0DF-4E17-830B-0FBDC1474AA3}" dt="2019-03-29T02:34:51.138" v="3" actId="478"/>
+          <ac:grpSpMkLst>
+            <pc:docMk/>
+            <pc:sldMk cId="4250270779" sldId="329"/>
+            <ac:grpSpMk id="6" creationId="{00000000-0000-0000-0000-000000000000}"/>
+          </ac:grpSpMkLst>
+        </pc:grpChg>
+      </pc:sldChg>
+      <pc:sldChg chg="addSp modSp add modAnim">
+        <pc:chgData name="Erkan ŞİRİN" userId="7f10ce1d6aaf8c5d" providerId="LiveId" clId="{924FFA6D-F0DF-4E17-830B-0FBDC1474AA3}" dt="2019-03-29T02:43:52.626" v="98" actId="20577"/>
+        <pc:sldMkLst>
+          <pc:docMk/>
+          <pc:sldMk cId="3147293555" sldId="330"/>
+        </pc:sldMkLst>
+        <pc:spChg chg="mod">
+          <ac:chgData name="Erkan ŞİRİN" userId="7f10ce1d6aaf8c5d" providerId="LiveId" clId="{924FFA6D-F0DF-4E17-830B-0FBDC1474AA3}" dt="2019-03-29T02:43:52.626" v="98" actId="20577"/>
+          <ac:spMkLst>
+            <pc:docMk/>
+            <pc:sldMk cId="3147293555" sldId="330"/>
+            <ac:spMk id="9" creationId="{00000000-0000-0000-0000-000000000000}"/>
+          </ac:spMkLst>
+        </pc:spChg>
+        <pc:spChg chg="mod">
+          <ac:chgData name="Erkan ŞİRİN" userId="7f10ce1d6aaf8c5d" providerId="LiveId" clId="{924FFA6D-F0DF-4E17-830B-0FBDC1474AA3}" dt="2019-03-29T02:38:57.422" v="72" actId="255"/>
+          <ac:spMkLst>
+            <pc:docMk/>
+            <pc:sldMk cId="3147293555" sldId="330"/>
+            <ac:spMk id="19" creationId="{00000000-0000-0000-0000-000000000000}"/>
+          </ac:spMkLst>
+        </pc:spChg>
+        <pc:cxnChg chg="add mod">
+          <ac:chgData name="Erkan ŞİRİN" userId="7f10ce1d6aaf8c5d" providerId="LiveId" clId="{924FFA6D-F0DF-4E17-830B-0FBDC1474AA3}" dt="2019-03-29T02:40:04.721" v="79" actId="208"/>
+          <ac:cxnSpMkLst>
+            <pc:docMk/>
+            <pc:sldMk cId="3147293555" sldId="330"/>
+            <ac:cxnSpMk id="4" creationId="{1565726F-1061-4B4E-BF64-39C3E303E319}"/>
+          </ac:cxnSpMkLst>
+        </pc:cxnChg>
+      </pc:sldChg>
+      <pc:sldChg chg="addSp delSp modSp add delAnim modAnim">
+        <pc:chgData name="Erkan ŞİRİN" userId="7f10ce1d6aaf8c5d" providerId="LiveId" clId="{924FFA6D-F0DF-4E17-830B-0FBDC1474AA3}" dt="2019-03-29T03:04:41.403" v="737"/>
+        <pc:sldMkLst>
+          <pc:docMk/>
+          <pc:sldMk cId="4270460146" sldId="331"/>
+        </pc:sldMkLst>
+        <pc:spChg chg="del mod">
+          <ac:chgData name="Erkan ŞİRİN" userId="7f10ce1d6aaf8c5d" providerId="LiveId" clId="{924FFA6D-F0DF-4E17-830B-0FBDC1474AA3}" dt="2019-03-29T02:47:26.520" v="153" actId="478"/>
+          <ac:spMkLst>
+            <pc:docMk/>
+            <pc:sldMk cId="4270460146" sldId="331"/>
+            <ac:spMk id="2" creationId="{00000000-0000-0000-0000-000000000000}"/>
+          </ac:spMkLst>
+        </pc:spChg>
+        <pc:spChg chg="mod">
+          <ac:chgData name="Erkan ŞİRİN" userId="7f10ce1d6aaf8c5d" providerId="LiveId" clId="{924FFA6D-F0DF-4E17-830B-0FBDC1474AA3}" dt="2019-03-29T02:44:34.920" v="108" actId="20577"/>
+          <ac:spMkLst>
+            <pc:docMk/>
+            <pc:sldMk cId="4270460146" sldId="331"/>
+            <ac:spMk id="9" creationId="{00000000-0000-0000-0000-000000000000}"/>
+          </ac:spMkLst>
+        </pc:spChg>
+        <pc:spChg chg="del">
+          <ac:chgData name="Erkan ŞİRİN" userId="7f10ce1d6aaf8c5d" providerId="LiveId" clId="{924FFA6D-F0DF-4E17-830B-0FBDC1474AA3}" dt="2019-03-29T02:47:20.538" v="151" actId="478"/>
+          <ac:spMkLst>
+            <pc:docMk/>
+            <pc:sldMk cId="4270460146" sldId="331"/>
+            <ac:spMk id="16" creationId="{00000000-0000-0000-0000-000000000000}"/>
+          </ac:spMkLst>
+        </pc:spChg>
+        <pc:spChg chg="del">
+          <ac:chgData name="Erkan ŞİRİN" userId="7f10ce1d6aaf8c5d" providerId="LiveId" clId="{924FFA6D-F0DF-4E17-830B-0FBDC1474AA3}" dt="2019-03-29T02:47:23.756" v="152" actId="478"/>
+          <ac:spMkLst>
+            <pc:docMk/>
+            <pc:sldMk cId="4270460146" sldId="331"/>
+            <ac:spMk id="17" creationId="{00000000-0000-0000-0000-000000000000}"/>
+          </ac:spMkLst>
+        </pc:spChg>
+        <pc:spChg chg="del">
+          <ac:chgData name="Erkan ŞİRİN" userId="7f10ce1d6aaf8c5d" providerId="LiveId" clId="{924FFA6D-F0DF-4E17-830B-0FBDC1474AA3}" dt="2019-03-29T02:47:30.982" v="154" actId="478"/>
+          <ac:spMkLst>
+            <pc:docMk/>
+            <pc:sldMk cId="4270460146" sldId="331"/>
+            <ac:spMk id="18" creationId="{00000000-0000-0000-0000-000000000000}"/>
+          </ac:spMkLst>
+        </pc:spChg>
+        <pc:spChg chg="mod">
+          <ac:chgData name="Erkan ŞİRİN" userId="7f10ce1d6aaf8c5d" providerId="LiveId" clId="{924FFA6D-F0DF-4E17-830B-0FBDC1474AA3}" dt="2019-03-29T02:50:43.867" v="278" actId="1076"/>
+          <ac:spMkLst>
+            <pc:docMk/>
+            <pc:sldMk cId="4270460146" sldId="331"/>
+            <ac:spMk id="19" creationId="{00000000-0000-0000-0000-000000000000}"/>
+          </ac:spMkLst>
+        </pc:spChg>
+        <pc:spChg chg="mod">
+          <ac:chgData name="Erkan ŞİRİN" userId="7f10ce1d6aaf8c5d" providerId="LiveId" clId="{924FFA6D-F0DF-4E17-830B-0FBDC1474AA3}" dt="2019-03-29T02:50:52.729" v="279" actId="1076"/>
+          <ac:spMkLst>
+            <pc:docMk/>
+            <pc:sldMk cId="4270460146" sldId="331"/>
+            <ac:spMk id="20" creationId="{00000000-0000-0000-0000-000000000000}"/>
+          </ac:spMkLst>
+        </pc:spChg>
+        <pc:spChg chg="add mod">
+          <ac:chgData name="Erkan ŞİRİN" userId="7f10ce1d6aaf8c5d" providerId="LiveId" clId="{924FFA6D-F0DF-4E17-830B-0FBDC1474AA3}" dt="2019-03-29T03:04:41.403" v="737"/>
+          <ac:spMkLst>
+            <pc:docMk/>
+            <pc:sldMk cId="4270460146" sldId="331"/>
+            <ac:spMk id="21" creationId="{52641CAE-F6F5-49E8-BBBD-B4AB71EFC55F}"/>
+          </ac:spMkLst>
+        </pc:spChg>
+        <pc:graphicFrameChg chg="mod modGraphic">
+          <ac:chgData name="Erkan ŞİRİN" userId="7f10ce1d6aaf8c5d" providerId="LiveId" clId="{924FFA6D-F0DF-4E17-830B-0FBDC1474AA3}" dt="2019-03-29T02:55:38.242" v="513" actId="1076"/>
+          <ac:graphicFrameMkLst>
+            <pc:docMk/>
+            <pc:sldMk cId="4270460146" sldId="331"/>
+            <ac:graphicFrameMk id="15" creationId="{00000000-0000-0000-0000-000000000000}"/>
+          </ac:graphicFrameMkLst>
+        </pc:graphicFrameChg>
+        <pc:cxnChg chg="del">
+          <ac:chgData name="Erkan ŞİRİN" userId="7f10ce1d6aaf8c5d" providerId="LiveId" clId="{924FFA6D-F0DF-4E17-830B-0FBDC1474AA3}" dt="2019-03-29T02:44:40.067" v="109" actId="478"/>
+          <ac:cxnSpMkLst>
+            <pc:docMk/>
+            <pc:sldMk cId="4270460146" sldId="331"/>
+            <ac:cxnSpMk id="4" creationId="{1565726F-1061-4B4E-BF64-39C3E303E319}"/>
+          </ac:cxnSpMkLst>
+        </pc:cxnChg>
+        <pc:cxnChg chg="add mod">
+          <ac:chgData name="Erkan ŞİRİN" userId="7f10ce1d6aaf8c5d" providerId="LiveId" clId="{924FFA6D-F0DF-4E17-830B-0FBDC1474AA3}" dt="2019-03-29T02:51:16.775" v="282" actId="1582"/>
+          <ac:cxnSpMkLst>
+            <pc:docMk/>
+            <pc:sldMk cId="4270460146" sldId="331"/>
+            <ac:cxnSpMk id="6" creationId="{A70BECF7-EDA6-4500-9CBF-4967ADF5F62A}"/>
+          </ac:cxnSpMkLst>
+        </pc:cxnChg>
+        <pc:cxnChg chg="add mod">
+          <ac:chgData name="Erkan ŞİRİN" userId="7f10ce1d6aaf8c5d" providerId="LiveId" clId="{924FFA6D-F0DF-4E17-830B-0FBDC1474AA3}" dt="2019-03-29T02:51:29.684" v="285" actId="14100"/>
+          <ac:cxnSpMkLst>
+            <pc:docMk/>
+            <pc:sldMk cId="4270460146" sldId="331"/>
+            <ac:cxnSpMk id="14" creationId="{502CC6CD-4963-4DDD-B7BB-7F339AED83F9}"/>
+          </ac:cxnSpMkLst>
+        </pc:cxnChg>
+      </pc:sldChg>
+      <pc:sldChg chg="modSp add modAnim">
+        <pc:chgData name="Erkan ŞİRİN" userId="7f10ce1d6aaf8c5d" providerId="LiveId" clId="{924FFA6D-F0DF-4E17-830B-0FBDC1474AA3}" dt="2019-03-29T03:57:47.267" v="778" actId="20577"/>
+        <pc:sldMkLst>
+          <pc:docMk/>
+          <pc:sldMk cId="331034659" sldId="332"/>
+        </pc:sldMkLst>
+        <pc:spChg chg="mod">
+          <ac:chgData name="Erkan ŞİRİN" userId="7f10ce1d6aaf8c5d" providerId="LiveId" clId="{924FFA6D-F0DF-4E17-830B-0FBDC1474AA3}" dt="2019-03-29T02:56:07.542" v="520" actId="20577"/>
+          <ac:spMkLst>
+            <pc:docMk/>
+            <pc:sldMk cId="331034659" sldId="332"/>
+            <ac:spMk id="9" creationId="{00000000-0000-0000-0000-000000000000}"/>
+          </ac:spMkLst>
+        </pc:spChg>
+        <pc:spChg chg="mod">
+          <ac:chgData name="Erkan ŞİRİN" userId="7f10ce1d6aaf8c5d" providerId="LiveId" clId="{924FFA6D-F0DF-4E17-830B-0FBDC1474AA3}" dt="2019-03-29T02:56:22.737" v="522" actId="20577"/>
+          <ac:spMkLst>
+            <pc:docMk/>
+            <pc:sldMk cId="331034659" sldId="332"/>
+            <ac:spMk id="19" creationId="{00000000-0000-0000-0000-000000000000}"/>
+          </ac:spMkLst>
+        </pc:spChg>
+        <pc:spChg chg="mod">
+          <ac:chgData name="Erkan ŞİRİN" userId="7f10ce1d6aaf8c5d" providerId="LiveId" clId="{924FFA6D-F0DF-4E17-830B-0FBDC1474AA3}" dt="2019-03-29T03:06:05.060" v="774" actId="20577"/>
+          <ac:spMkLst>
+            <pc:docMk/>
+            <pc:sldMk cId="331034659" sldId="332"/>
+            <ac:spMk id="20" creationId="{00000000-0000-0000-0000-000000000000}"/>
+          </ac:spMkLst>
+        </pc:spChg>
+        <pc:spChg chg="mod">
+          <ac:chgData name="Erkan ŞİRİN" userId="7f10ce1d6aaf8c5d" providerId="LiveId" clId="{924FFA6D-F0DF-4E17-830B-0FBDC1474AA3}" dt="2019-03-29T03:04:38.259" v="736"/>
+          <ac:spMkLst>
+            <pc:docMk/>
+            <pc:sldMk cId="331034659" sldId="332"/>
+            <ac:spMk id="21" creationId="{52641CAE-F6F5-49E8-BBBD-B4AB71EFC55F}"/>
+          </ac:spMkLst>
+        </pc:spChg>
+        <pc:cxnChg chg="mod">
+          <ac:chgData name="Erkan ŞİRİN" userId="7f10ce1d6aaf8c5d" providerId="LiveId" clId="{924FFA6D-F0DF-4E17-830B-0FBDC1474AA3}" dt="2019-03-29T02:57:48.942" v="572" actId="14100"/>
+          <ac:cxnSpMkLst>
+            <pc:docMk/>
+            <pc:sldMk cId="331034659" sldId="332"/>
+            <ac:cxnSpMk id="6" creationId="{A70BECF7-EDA6-4500-9CBF-4967ADF5F62A}"/>
+          </ac:cxnSpMkLst>
+        </pc:cxnChg>
+        <pc:cxnChg chg="mod">
+          <ac:chgData name="Erkan ŞİRİN" userId="7f10ce1d6aaf8c5d" providerId="LiveId" clId="{924FFA6D-F0DF-4E17-830B-0FBDC1474AA3}" dt="2019-03-29T02:58:04.178" v="575" actId="14100"/>
+          <ac:cxnSpMkLst>
+            <pc:docMk/>
+            <pc:sldMk cId="331034659" sldId="332"/>
+            <ac:cxnSpMk id="14" creationId="{502CC6CD-4963-4DDD-B7BB-7F339AED83F9}"/>
+          </ac:cxnSpMkLst>
+        </pc:cxnChg>
+      </pc:sldChg>
+      <pc:sldChg chg="addSp delSp modSp add delAnim modAnim">
+        <pc:chgData name="Erkan ŞİRİN" userId="7f10ce1d6aaf8c5d" providerId="LiveId" clId="{924FFA6D-F0DF-4E17-830B-0FBDC1474AA3}" dt="2019-03-30T14:01:55.493" v="991" actId="20577"/>
+        <pc:sldMkLst>
+          <pc:docMk/>
+          <pc:sldMk cId="2331011101" sldId="333"/>
+        </pc:sldMkLst>
+        <pc:spChg chg="mod">
+          <ac:chgData name="Erkan ŞİRİN" userId="7f10ce1d6aaf8c5d" providerId="LiveId" clId="{924FFA6D-F0DF-4E17-830B-0FBDC1474AA3}" dt="2019-03-29T04:00:59.652" v="874" actId="20577"/>
+          <ac:spMkLst>
+            <pc:docMk/>
+            <pc:sldMk cId="2331011101" sldId="333"/>
+            <ac:spMk id="9" creationId="{00000000-0000-0000-0000-000000000000}"/>
+          </ac:spMkLst>
+        </pc:spChg>
+        <pc:spChg chg="add mod">
+          <ac:chgData name="Erkan ŞİRİN" userId="7f10ce1d6aaf8c5d" providerId="LiveId" clId="{924FFA6D-F0DF-4E17-830B-0FBDC1474AA3}" dt="2019-03-29T04:00:46.258" v="870" actId="20577"/>
+          <ac:spMkLst>
+            <pc:docMk/>
+            <pc:sldMk cId="2331011101" sldId="333"/>
+            <ac:spMk id="10" creationId="{0EB51778-9329-44D2-868D-D4295FFB842C}"/>
+          </ac:spMkLst>
+        </pc:spChg>
+        <pc:spChg chg="add mod">
+          <ac:chgData name="Erkan ŞİRİN" userId="7f10ce1d6aaf8c5d" providerId="LiveId" clId="{924FFA6D-F0DF-4E17-830B-0FBDC1474AA3}" dt="2019-03-29T04:02:17.524" v="961" actId="20577"/>
+          <ac:spMkLst>
+            <pc:docMk/>
+            <pc:sldMk cId="2331011101" sldId="333"/>
+            <ac:spMk id="11" creationId="{54F67CC2-8492-4C49-86CA-263F075A094D}"/>
+          </ac:spMkLst>
+        </pc:spChg>
+        <pc:spChg chg="mod">
+          <ac:chgData name="Erkan ŞİRİN" userId="7f10ce1d6aaf8c5d" providerId="LiveId" clId="{924FFA6D-F0DF-4E17-830B-0FBDC1474AA3}" dt="2019-03-30T14:01:55.493" v="991" actId="20577"/>
+          <ac:spMkLst>
+            <pc:docMk/>
+            <pc:sldMk cId="2331011101" sldId="333"/>
+            <ac:spMk id="19" creationId="{00000000-0000-0000-0000-000000000000}"/>
+          </ac:spMkLst>
+        </pc:spChg>
+        <pc:spChg chg="mod">
+          <ac:chgData name="Erkan ŞİRİN" userId="7f10ce1d6aaf8c5d" providerId="LiveId" clId="{924FFA6D-F0DF-4E17-830B-0FBDC1474AA3}" dt="2019-03-29T03:59:10.284" v="798" actId="20577"/>
+          <ac:spMkLst>
+            <pc:docMk/>
+            <pc:sldMk cId="2331011101" sldId="333"/>
+            <ac:spMk id="20" creationId="{00000000-0000-0000-0000-000000000000}"/>
+          </ac:spMkLst>
+        </pc:spChg>
+        <pc:spChg chg="mod">
+          <ac:chgData name="Erkan ŞİRİN" userId="7f10ce1d6aaf8c5d" providerId="LiveId" clId="{924FFA6D-F0DF-4E17-830B-0FBDC1474AA3}" dt="2019-03-29T03:04:30.445" v="735" actId="20577"/>
+          <ac:spMkLst>
+            <pc:docMk/>
+            <pc:sldMk cId="2331011101" sldId="333"/>
+            <ac:spMk id="21" creationId="{52641CAE-F6F5-49E8-BBBD-B4AB71EFC55F}"/>
+          </ac:spMkLst>
+        </pc:spChg>
+        <pc:cxnChg chg="del">
+          <ac:chgData name="Erkan ŞİRİN" userId="7f10ce1d6aaf8c5d" providerId="LiveId" clId="{924FFA6D-F0DF-4E17-830B-0FBDC1474AA3}" dt="2019-03-29T03:04:54.026" v="739" actId="478"/>
+          <ac:cxnSpMkLst>
+            <pc:docMk/>
+            <pc:sldMk cId="2331011101" sldId="333"/>
+            <ac:cxnSpMk id="6" creationId="{A70BECF7-EDA6-4500-9CBF-4967ADF5F62A}"/>
+          </ac:cxnSpMkLst>
+        </pc:cxnChg>
+        <pc:cxnChg chg="del">
+          <ac:chgData name="Erkan ŞİRİN" userId="7f10ce1d6aaf8c5d" providerId="LiveId" clId="{924FFA6D-F0DF-4E17-830B-0FBDC1474AA3}" dt="2019-03-29T03:04:51.312" v="738" actId="478"/>
+          <ac:cxnSpMkLst>
+            <pc:docMk/>
+            <pc:sldMk cId="2331011101" sldId="333"/>
+            <ac:cxnSpMk id="14" creationId="{502CC6CD-4963-4DDD-B7BB-7F339AED83F9}"/>
+          </ac:cxnSpMkLst>
+        </pc:cxnChg>
+      </pc:sldChg>
+      <pc:sldChg chg="delSp modSp add delAnim">
+        <pc:chgData name="Erkan ŞİRİN" userId="7f10ce1d6aaf8c5d" providerId="LiveId" clId="{924FFA6D-F0DF-4E17-830B-0FBDC1474AA3}" dt="2019-03-29T04:11:19.747" v="989" actId="478"/>
+        <pc:sldMkLst>
+          <pc:docMk/>
+          <pc:sldMk cId="3519768631" sldId="334"/>
+        </pc:sldMkLst>
+        <pc:spChg chg="mod">
+          <ac:chgData name="Erkan ŞİRİN" userId="7f10ce1d6aaf8c5d" providerId="LiveId" clId="{924FFA6D-F0DF-4E17-830B-0FBDC1474AA3}" dt="2019-03-29T04:09:30.901" v="986" actId="20577"/>
+          <ac:spMkLst>
+            <pc:docMk/>
+            <pc:sldMk cId="3519768631" sldId="334"/>
+            <ac:spMk id="9" creationId="{00000000-0000-0000-0000-000000000000}"/>
+          </ac:spMkLst>
+        </pc:spChg>
+        <pc:spChg chg="del">
+          <ac:chgData name="Erkan ŞİRİN" userId="7f10ce1d6aaf8c5d" providerId="LiveId" clId="{924FFA6D-F0DF-4E17-830B-0FBDC1474AA3}" dt="2019-03-29T04:11:19.747" v="989" actId="478"/>
+          <ac:spMkLst>
+            <pc:docMk/>
+            <pc:sldMk cId="3519768631" sldId="334"/>
+            <ac:spMk id="10" creationId="{0EB51778-9329-44D2-868D-D4295FFB842C}"/>
+          </ac:spMkLst>
+        </pc:spChg>
+        <pc:spChg chg="del">
+          <ac:chgData name="Erkan ŞİRİN" userId="7f10ce1d6aaf8c5d" providerId="LiveId" clId="{924FFA6D-F0DF-4E17-830B-0FBDC1474AA3}" dt="2019-03-29T04:11:19.747" v="989" actId="478"/>
+          <ac:spMkLst>
+            <pc:docMk/>
+            <pc:sldMk cId="3519768631" sldId="334"/>
+            <ac:spMk id="11" creationId="{54F67CC2-8492-4C49-86CA-263F075A094D}"/>
+          </ac:spMkLst>
+        </pc:spChg>
+        <pc:spChg chg="del">
+          <ac:chgData name="Erkan ŞİRİN" userId="7f10ce1d6aaf8c5d" providerId="LiveId" clId="{924FFA6D-F0DF-4E17-830B-0FBDC1474AA3}" dt="2019-03-29T04:11:14.649" v="988" actId="478"/>
+          <ac:spMkLst>
+            <pc:docMk/>
+            <pc:sldMk cId="3519768631" sldId="334"/>
+            <ac:spMk id="19" creationId="{00000000-0000-0000-0000-000000000000}"/>
+          </ac:spMkLst>
+        </pc:spChg>
+        <pc:spChg chg="del">
+          <ac:chgData name="Erkan ŞİRİN" userId="7f10ce1d6aaf8c5d" providerId="LiveId" clId="{924FFA6D-F0DF-4E17-830B-0FBDC1474AA3}" dt="2019-03-29T04:11:14.649" v="988" actId="478"/>
+          <ac:spMkLst>
+            <pc:docMk/>
+            <pc:sldMk cId="3519768631" sldId="334"/>
+            <ac:spMk id="20" creationId="{00000000-0000-0000-0000-000000000000}"/>
+          </ac:spMkLst>
+        </pc:spChg>
+        <pc:spChg chg="del">
+          <ac:chgData name="Erkan ŞİRİN" userId="7f10ce1d6aaf8c5d" providerId="LiveId" clId="{924FFA6D-F0DF-4E17-830B-0FBDC1474AA3}" dt="2019-03-29T04:11:19.747" v="989" actId="478"/>
+          <ac:spMkLst>
+            <pc:docMk/>
+            <pc:sldMk cId="3519768631" sldId="334"/>
+            <ac:spMk id="21" creationId="{52641CAE-F6F5-49E8-BBBD-B4AB71EFC55F}"/>
+          </ac:spMkLst>
+        </pc:spChg>
+        <pc:graphicFrameChg chg="del">
+          <ac:chgData name="Erkan ŞİRİN" userId="7f10ce1d6aaf8c5d" providerId="LiveId" clId="{924FFA6D-F0DF-4E17-830B-0FBDC1474AA3}" dt="2019-03-29T04:11:09.675" v="987" actId="478"/>
+          <ac:graphicFrameMkLst>
+            <pc:docMk/>
+            <pc:sldMk cId="3519768631" sldId="334"/>
+            <ac:graphicFrameMk id="15" creationId="{00000000-0000-0000-0000-000000000000}"/>
           </ac:graphicFrameMkLst>
         </pc:graphicFrameChg>
       </pc:sldChg>
     </pc:docChg>
-  </pc:docChgLst>
-  <pc:docChgLst>
-    <pc:chgData name="Erkan ŞİRİN" userId="7f10ce1d6aaf8c5d" providerId="LiveId" clId="{924FFA6D-F0DF-4E17-830B-0FBDC1474AA3}"/>
   </pc:docChgLst>
 </pc:chgInfo>
 </file>
@@ -252,7 +702,7 @@
           <a:p>
             <a:fld id="{6F77F576-AE14-466D-AA6B-335273622B21}" type="datetimeFigureOut">
               <a:rPr lang="en-US" smtClean="0"/>
-              <a:t>7/4/2019</a:t>
+              <a:t>5/31/2019</a:t>
             </a:fld>
             <a:endParaRPr lang="en-US"/>
           </a:p>
@@ -651,7 +1101,7 @@
           <a:p>
             <a:fld id="{54AA066D-271F-4C1A-B89A-0705A7689EE9}" type="datetimeFigureOut">
               <a:rPr lang="en-US" smtClean="0"/>
-              <a:t>7/4/2019</a:t>
+              <a:t>5/31/2019</a:t>
             </a:fld>
             <a:endParaRPr lang="en-US"/>
           </a:p>
@@ -821,7 +1271,7 @@
           <a:p>
             <a:fld id="{54AA066D-271F-4C1A-B89A-0705A7689EE9}" type="datetimeFigureOut">
               <a:rPr lang="en-US" smtClean="0"/>
-              <a:t>7/4/2019</a:t>
+              <a:t>5/31/2019</a:t>
             </a:fld>
             <a:endParaRPr lang="en-US"/>
           </a:p>
@@ -1001,7 +1451,7 @@
           <a:p>
             <a:fld id="{54AA066D-271F-4C1A-B89A-0705A7689EE9}" type="datetimeFigureOut">
               <a:rPr lang="en-US" smtClean="0"/>
-              <a:t>7/4/2019</a:t>
+              <a:t>5/31/2019</a:t>
             </a:fld>
             <a:endParaRPr lang="en-US"/>
           </a:p>
@@ -1171,7 +1621,7 @@
           <a:p>
             <a:fld id="{54AA066D-271F-4C1A-B89A-0705A7689EE9}" type="datetimeFigureOut">
               <a:rPr lang="en-US" smtClean="0"/>
-              <a:t>7/4/2019</a:t>
+              <a:t>5/31/2019</a:t>
             </a:fld>
             <a:endParaRPr lang="en-US"/>
           </a:p>
@@ -1417,7 +1867,7 @@
           <a:p>
             <a:fld id="{54AA066D-271F-4C1A-B89A-0705A7689EE9}" type="datetimeFigureOut">
               <a:rPr lang="en-US" smtClean="0"/>
-              <a:t>7/4/2019</a:t>
+              <a:t>5/31/2019</a:t>
             </a:fld>
             <a:endParaRPr lang="en-US"/>
           </a:p>
@@ -1649,7 +2099,7 @@
           <a:p>
             <a:fld id="{54AA066D-271F-4C1A-B89A-0705A7689EE9}" type="datetimeFigureOut">
               <a:rPr lang="en-US" smtClean="0"/>
-              <a:t>7/4/2019</a:t>
+              <a:t>5/31/2019</a:t>
             </a:fld>
             <a:endParaRPr lang="en-US"/>
           </a:p>
@@ -2016,7 +2466,7 @@
           <a:p>
             <a:fld id="{54AA066D-271F-4C1A-B89A-0705A7689EE9}" type="datetimeFigureOut">
               <a:rPr lang="en-US" smtClean="0"/>
-              <a:t>7/4/2019</a:t>
+              <a:t>5/31/2019</a:t>
             </a:fld>
             <a:endParaRPr lang="en-US"/>
           </a:p>
@@ -2134,7 +2584,7 @@
           <a:p>
             <a:fld id="{54AA066D-271F-4C1A-B89A-0705A7689EE9}" type="datetimeFigureOut">
               <a:rPr lang="en-US" smtClean="0"/>
-              <a:t>7/4/2019</a:t>
+              <a:t>5/31/2019</a:t>
             </a:fld>
             <a:endParaRPr lang="en-US"/>
           </a:p>
@@ -2229,7 +2679,7 @@
           <a:p>
             <a:fld id="{54AA066D-271F-4C1A-B89A-0705A7689EE9}" type="datetimeFigureOut">
               <a:rPr lang="en-US" smtClean="0"/>
-              <a:t>7/4/2019</a:t>
+              <a:t>5/31/2019</a:t>
             </a:fld>
             <a:endParaRPr lang="en-US"/>
           </a:p>
@@ -2506,7 +2956,7 @@
           <a:p>
             <a:fld id="{54AA066D-271F-4C1A-B89A-0705A7689EE9}" type="datetimeFigureOut">
               <a:rPr lang="en-US" smtClean="0"/>
-              <a:t>7/4/2019</a:t>
+              <a:t>5/31/2019</a:t>
             </a:fld>
             <a:endParaRPr lang="en-US"/>
           </a:p>
@@ -2759,7 +3209,7 @@
           <a:p>
             <a:fld id="{54AA066D-271F-4C1A-B89A-0705A7689EE9}" type="datetimeFigureOut">
               <a:rPr lang="en-US" smtClean="0"/>
-              <a:t>7/4/2019</a:t>
+              <a:t>5/31/2019</a:t>
             </a:fld>
             <a:endParaRPr lang="en-US"/>
           </a:p>
@@ -2972,7 +3422,7 @@
           <a:p>
             <a:fld id="{54AA066D-271F-4C1A-B89A-0705A7689EE9}" type="datetimeFigureOut">
               <a:rPr lang="en-US" smtClean="0"/>
-              <a:t>7/4/2019</a:t>
+              <a:t>5/31/2019</a:t>
             </a:fld>
             <a:endParaRPr lang="en-US"/>
           </a:p>
@@ -17841,7 +18291,7 @@
           <p:nvPr>
             <p:extLst>
               <p:ext uri="{D42A27DB-BD31-4B8C-83A1-F6EECF244321}">
-                <p14:modId xmlns:p14="http://schemas.microsoft.com/office/powerpoint/2010/main" val="2467527556"/>
+                <p14:modId xmlns:p14="http://schemas.microsoft.com/office/powerpoint/2010/main" val="2795448811"/>
               </p:ext>
             </p:extLst>
           </p:nvPr>
@@ -17857,14 +18307,14 @@
                 <a:tableStyleId>{5C22544A-7EE6-4342-B048-85BDC9FD1C3A}</a:tableStyleId>
               </a:tblPr>
               <a:tblGrid>
-                <a:gridCol w="2651731">
+                <a:gridCol w="2870200">
                   <a:extLst>
                     <a:ext uri="{9D8B030D-6E8A-4147-A177-3AD203B41FA5}">
                       <a16:colId xmlns:a16="http://schemas.microsoft.com/office/drawing/2014/main" val="20000"/>
                     </a:ext>
                   </a:extLst>
                 </a:gridCol>
-                <a:gridCol w="2646522">
+                <a:gridCol w="2428053">
                   <a:extLst>
                     <a:ext uri="{9D8B030D-6E8A-4147-A177-3AD203B41FA5}">
                       <a16:colId xmlns:a16="http://schemas.microsoft.com/office/drawing/2014/main" val="20001"/>
@@ -17893,17 +18343,24 @@
                           </a:solidFill>
                           <a:latin typeface="Roboto"/>
                         </a:rPr>
-                        <a:t>Sonuç (</a:t>
-                      </a:r>
-                      <a:r>
-                        <a:rPr lang="tr-TR" sz="2400" dirty="0" err="1">
-                          <a:solidFill>
-                            <a:schemeClr val="tx1"/>
-                          </a:solidFill>
-                          <a:latin typeface="Roboto"/>
-                        </a:rPr>
-                        <a:t>y_test</a:t>
-                      </a:r>
+                        <a:t>Sonuç</a:t>
+                      </a:r>
+                      <a:endParaRPr lang="en-US" sz="2400" dirty="0">
+                        <a:solidFill>
+                          <a:schemeClr val="tx1"/>
+                        </a:solidFill>
+                        <a:latin typeface="Roboto"/>
+                      </a:endParaRPr>
+                    </a:p>
+                  </a:txBody>
+                  <a:tcPr/>
+                </a:tc>
+                <a:tc>
+                  <a:txBody>
+                    <a:bodyPr/>
+                    <a:lstStyle/>
+                    <a:p>
+                      <a:pPr algn="ctr"/>
                       <a:r>
                         <a:rPr lang="tr-TR" sz="2400" dirty="0">
                           <a:solidFill>
@@ -17911,50 +18368,7 @@
                           </a:solidFill>
                           <a:latin typeface="Roboto"/>
                         </a:rPr>
-                        <a:t>)</a:t>
-                      </a:r>
-                      <a:endParaRPr lang="en-US" sz="2400" dirty="0">
-                        <a:solidFill>
-                          <a:schemeClr val="tx1"/>
-                        </a:solidFill>
-                        <a:latin typeface="Roboto"/>
-                      </a:endParaRPr>
-                    </a:p>
-                  </a:txBody>
-                  <a:tcPr/>
-                </a:tc>
-                <a:tc>
-                  <a:txBody>
-                    <a:bodyPr/>
-                    <a:lstStyle/>
-                    <a:p>
-                      <a:pPr algn="ctr"/>
-                      <a:r>
-                        <a:rPr lang="tr-TR" sz="2400" dirty="0">
-                          <a:solidFill>
-                            <a:schemeClr val="tx1"/>
-                          </a:solidFill>
-                          <a:latin typeface="Roboto"/>
-                        </a:rPr>
-                        <a:t>Tahmin (</a:t>
-                      </a:r>
-                      <a:r>
-                        <a:rPr lang="tr-TR" sz="2400" dirty="0" err="1">
-                          <a:solidFill>
-                            <a:schemeClr val="tx1"/>
-                          </a:solidFill>
-                          <a:latin typeface="Roboto"/>
-                        </a:rPr>
-                        <a:t>y_pred</a:t>
-                      </a:r>
-                      <a:r>
-                        <a:rPr lang="tr-TR" sz="2400" dirty="0">
-                          <a:solidFill>
-                            <a:schemeClr val="tx1"/>
-                          </a:solidFill>
-                          <a:latin typeface="Roboto"/>
-                        </a:rPr>
-                        <a:t>)</a:t>
+                        <a:t>Tahmin</a:t>
                       </a:r>
                       <a:endParaRPr lang="en-US" sz="2400" dirty="0">
                         <a:solidFill>
